--- a/Lunch and Learns/Think Like a Certification Exam.pptx
+++ b/Lunch and Learns/Think Like a Certification Exam.pptx
@@ -249,7 +249,7 @@
           <a:p>
             <a:fld id="{6CD4ABDE-846B-4F2E-A91E-CE2D55B6EF91}" type="datetimeFigureOut">
               <a:rPr lang="en-US" smtClean="0"/>
-              <a:t>7/31/2019</a:t>
+              <a:t>8/2/2019</a:t>
             </a:fld>
             <a:endParaRPr lang="en-US"/>
           </a:p>
@@ -824,7 +824,7 @@
           <a:p>
             <a:fld id="{DF1B7059-9994-452B-97D3-B9424BDCF679}" type="datetimeFigureOut">
               <a:rPr lang="en-US" smtClean="0"/>
-              <a:t>7/31/2019</a:t>
+              <a:t>8/2/2019</a:t>
             </a:fld>
             <a:endParaRPr lang="en-US" dirty="0"/>
           </a:p>
@@ -994,7 +994,7 @@
           <a:p>
             <a:fld id="{DF1B7059-9994-452B-97D3-B9424BDCF679}" type="datetimeFigureOut">
               <a:rPr lang="en-US" smtClean="0"/>
-              <a:t>7/31/2019</a:t>
+              <a:t>8/2/2019</a:t>
             </a:fld>
             <a:endParaRPr lang="en-US" dirty="0"/>
           </a:p>
@@ -1174,7 +1174,7 @@
           <a:p>
             <a:fld id="{DF1B7059-9994-452B-97D3-B9424BDCF679}" type="datetimeFigureOut">
               <a:rPr lang="en-US" smtClean="0"/>
-              <a:t>7/31/2019</a:t>
+              <a:t>8/2/2019</a:t>
             </a:fld>
             <a:endParaRPr lang="en-US" dirty="0"/>
           </a:p>
@@ -2565,7 +2565,7 @@
           <a:p>
             <a:fld id="{DF1B7059-9994-452B-97D3-B9424BDCF679}" type="datetimeFigureOut">
               <a:rPr lang="en-US" smtClean="0"/>
-              <a:t>7/31/2019</a:t>
+              <a:t>8/2/2019</a:t>
             </a:fld>
             <a:endParaRPr lang="en-US" dirty="0"/>
           </a:p>
@@ -3210,7 +3210,7 @@
                 </a:solidFill>
               </a:rPr>
               <a:pPr/>
-              <a:t>7/31/2019</a:t>
+              <a:t>8/2/2019</a:t>
             </a:fld>
             <a:endParaRPr lang="en-US" dirty="0">
               <a:solidFill>
@@ -3457,7 +3457,7 @@
           <a:p>
             <a:fld id="{DF1B7059-9994-452B-97D3-B9424BDCF679}" type="datetimeFigureOut">
               <a:rPr lang="en-US" smtClean="0"/>
-              <a:t>7/31/2019</a:t>
+              <a:t>8/2/2019</a:t>
             </a:fld>
             <a:endParaRPr lang="en-US" dirty="0"/>
           </a:p>
@@ -3592,7 +3592,7 @@
                 </a:solidFill>
               </a:rPr>
               <a:pPr/>
-              <a:t>7/31/2019</a:t>
+              <a:t>8/2/2019</a:t>
             </a:fld>
             <a:endParaRPr lang="en-US" dirty="0">
               <a:solidFill>
@@ -3839,7 +3839,7 @@
           <a:p>
             <a:fld id="{DF1B7059-9994-452B-97D3-B9424BDCF679}" type="datetimeFigureOut">
               <a:rPr lang="en-US" smtClean="0"/>
-              <a:t>7/31/2019</a:t>
+              <a:t>8/2/2019</a:t>
             </a:fld>
             <a:endParaRPr lang="en-US" dirty="0"/>
           </a:p>
@@ -4083,7 +4083,7 @@
           <a:p>
             <a:fld id="{DF1B7059-9994-452B-97D3-B9424BDCF679}" type="datetimeFigureOut">
               <a:rPr lang="en-US" smtClean="0"/>
-              <a:t>7/31/2019</a:t>
+              <a:t>8/2/2019</a:t>
             </a:fld>
             <a:endParaRPr lang="en-US" dirty="0"/>
           </a:p>
@@ -4273,7 +4273,7 @@
           <a:p>
             <a:fld id="{3FAA6659-066F-4E7F-BD92-0981E5430CBE}" type="datetimeFigureOut">
               <a:rPr lang="en-US" smtClean="0"/>
-              <a:t>7/31/2019</a:t>
+              <a:t>8/2/2019</a:t>
             </a:fld>
             <a:endParaRPr lang="en-US"/>
           </a:p>
@@ -4441,7 +4441,7 @@
           <a:p>
             <a:fld id="{3FAA6659-066F-4E7F-BD92-0981E5430CBE}" type="datetimeFigureOut">
               <a:rPr lang="en-US" smtClean="0"/>
-              <a:t>7/31/2019</a:t>
+              <a:t>8/2/2019</a:t>
             </a:fld>
             <a:endParaRPr lang="en-US"/>
           </a:p>
@@ -4686,7 +4686,7 @@
           <a:p>
             <a:fld id="{3FAA6659-066F-4E7F-BD92-0981E5430CBE}" type="datetimeFigureOut">
               <a:rPr lang="en-US" smtClean="0"/>
-              <a:t>7/31/2019</a:t>
+              <a:t>8/2/2019</a:t>
             </a:fld>
             <a:endParaRPr lang="en-US"/>
           </a:p>
@@ -4915,7 +4915,7 @@
           <a:p>
             <a:fld id="{3FAA6659-066F-4E7F-BD92-0981E5430CBE}" type="datetimeFigureOut">
               <a:rPr lang="en-US" smtClean="0"/>
-              <a:t>7/31/2019</a:t>
+              <a:t>8/2/2019</a:t>
             </a:fld>
             <a:endParaRPr lang="en-US"/>
           </a:p>
@@ -5279,7 +5279,7 @@
           <a:p>
             <a:fld id="{3FAA6659-066F-4E7F-BD92-0981E5430CBE}" type="datetimeFigureOut">
               <a:rPr lang="en-US" smtClean="0"/>
-              <a:t>7/31/2019</a:t>
+              <a:t>8/2/2019</a:t>
             </a:fld>
             <a:endParaRPr lang="en-US"/>
           </a:p>
@@ -5396,7 +5396,7 @@
           <a:p>
             <a:fld id="{3FAA6659-066F-4E7F-BD92-0981E5430CBE}" type="datetimeFigureOut">
               <a:rPr lang="en-US" smtClean="0"/>
-              <a:t>7/31/2019</a:t>
+              <a:t>8/2/2019</a:t>
             </a:fld>
             <a:endParaRPr lang="en-US"/>
           </a:p>
@@ -5491,7 +5491,7 @@
           <a:p>
             <a:fld id="{3FAA6659-066F-4E7F-BD92-0981E5430CBE}" type="datetimeFigureOut">
               <a:rPr lang="en-US" smtClean="0"/>
-              <a:t>7/31/2019</a:t>
+              <a:t>8/2/2019</a:t>
             </a:fld>
             <a:endParaRPr lang="en-US"/>
           </a:p>
@@ -5766,7 +5766,7 @@
           <a:p>
             <a:fld id="{3FAA6659-066F-4E7F-BD92-0981E5430CBE}" type="datetimeFigureOut">
               <a:rPr lang="en-US" smtClean="0"/>
-              <a:t>7/31/2019</a:t>
+              <a:t>8/2/2019</a:t>
             </a:fld>
             <a:endParaRPr lang="en-US"/>
           </a:p>
@@ -6018,7 +6018,7 @@
           <a:p>
             <a:fld id="{3FAA6659-066F-4E7F-BD92-0981E5430CBE}" type="datetimeFigureOut">
               <a:rPr lang="en-US" smtClean="0"/>
-              <a:t>7/31/2019</a:t>
+              <a:t>8/2/2019</a:t>
             </a:fld>
             <a:endParaRPr lang="en-US"/>
           </a:p>
@@ -6186,7 +6186,7 @@
           <a:p>
             <a:fld id="{3FAA6659-066F-4E7F-BD92-0981E5430CBE}" type="datetimeFigureOut">
               <a:rPr lang="en-US" smtClean="0"/>
-              <a:t>7/31/2019</a:t>
+              <a:t>8/2/2019</a:t>
             </a:fld>
             <a:endParaRPr lang="en-US"/>
           </a:p>
@@ -6418,7 +6418,7 @@
           <a:p>
             <a:fld id="{DF1B7059-9994-452B-97D3-B9424BDCF679}" type="datetimeFigureOut">
               <a:rPr lang="en-US" smtClean="0"/>
-              <a:t>7/31/2019</a:t>
+              <a:t>8/2/2019</a:t>
             </a:fld>
             <a:endParaRPr lang="en-US" dirty="0"/>
           </a:p>
@@ -6596,7 +6596,7 @@
           <a:p>
             <a:fld id="{3FAA6659-066F-4E7F-BD92-0981E5430CBE}" type="datetimeFigureOut">
               <a:rPr lang="en-US" smtClean="0"/>
-              <a:t>7/31/2019</a:t>
+              <a:t>8/2/2019</a:t>
             </a:fld>
             <a:endParaRPr lang="en-US"/>
           </a:p>
@@ -7170,7 +7170,7 @@
           <a:p>
             <a:fld id="{DF1B7059-9994-452B-97D3-B9424BDCF679}" type="datetimeFigureOut">
               <a:rPr lang="en-US" smtClean="0"/>
-              <a:t>7/31/2019</a:t>
+              <a:t>8/2/2019</a:t>
             </a:fld>
             <a:endParaRPr lang="en-US" dirty="0"/>
           </a:p>
@@ -7288,7 +7288,7 @@
           <a:p>
             <a:fld id="{DF1B7059-9994-452B-97D3-B9424BDCF679}" type="datetimeFigureOut">
               <a:rPr lang="en-US" smtClean="0"/>
-              <a:t>7/31/2019</a:t>
+              <a:t>8/2/2019</a:t>
             </a:fld>
             <a:endParaRPr lang="en-US" dirty="0"/>
           </a:p>
@@ -7383,7 +7383,7 @@
           <a:p>
             <a:fld id="{DF1B7059-9994-452B-97D3-B9424BDCF679}" type="datetimeFigureOut">
               <a:rPr lang="en-US" smtClean="0"/>
-              <a:t>7/31/2019</a:t>
+              <a:t>8/2/2019</a:t>
             </a:fld>
             <a:endParaRPr lang="en-US" dirty="0"/>
           </a:p>
@@ -7660,7 +7660,7 @@
           <a:p>
             <a:fld id="{DF1B7059-9994-452B-97D3-B9424BDCF679}" type="datetimeFigureOut">
               <a:rPr lang="en-US" smtClean="0"/>
-              <a:t>7/31/2019</a:t>
+              <a:t>8/2/2019</a:t>
             </a:fld>
             <a:endParaRPr lang="en-US" dirty="0"/>
           </a:p>
@@ -7916,7 +7916,7 @@
           <a:p>
             <a:fld id="{DF1B7059-9994-452B-97D3-B9424BDCF679}" type="datetimeFigureOut">
               <a:rPr lang="en-US" smtClean="0"/>
-              <a:t>7/31/2019</a:t>
+              <a:t>8/2/2019</a:t>
             </a:fld>
             <a:endParaRPr lang="en-US" dirty="0"/>
           </a:p>
@@ -8129,7 +8129,7 @@
           <a:p>
             <a:fld id="{DF1B7059-9994-452B-97D3-B9424BDCF679}" type="datetimeFigureOut">
               <a:rPr lang="en-US" smtClean="0"/>
-              <a:t>7/31/2019</a:t>
+              <a:t>8/2/2019</a:t>
             </a:fld>
             <a:endParaRPr lang="en-US" dirty="0"/>
           </a:p>
@@ -8724,7 +8724,7 @@
                 </a:solidFill>
               </a:rPr>
               <a:pPr/>
-              <a:t>7/31/2019</a:t>
+              <a:t>8/2/2019</a:t>
             </a:fld>
             <a:endParaRPr lang="en-US" dirty="0">
               <a:solidFill>
@@ -9287,7 +9287,7 @@
                 </a:solidFill>
               </a:rPr>
               <a:pPr/>
-              <a:t>7/31/2019</a:t>
+              <a:t>8/2/2019</a:t>
             </a:fld>
             <a:endParaRPr lang="en-US" dirty="0">
               <a:solidFill>
@@ -9805,7 +9805,7 @@
           <a:p>
             <a:fld id="{3FAA6659-066F-4E7F-BD92-0981E5430CBE}" type="datetimeFigureOut">
               <a:rPr lang="en-US" smtClean="0"/>
-              <a:t>7/31/2019</a:t>
+              <a:t>8/2/2019</a:t>
             </a:fld>
             <a:endParaRPr lang="en-US"/>
           </a:p>
@@ -10617,7 +10617,7 @@
             <a:pPr lvl="1"/>
             <a:r>
               <a:rPr lang="en-US" sz="4000" dirty="0"/>
-              <a:t>If something is not familiar, or if you get the practice question wrong, go and DO it.</a:t>
+              <a:t>If something is not familiar, or if you get the practice question wrong, go lab it out.</a:t>
             </a:r>
           </a:p>
         </p:txBody>
@@ -10928,13 +10928,6 @@
               <a:t>Have a lab environment installed on your work/home PC’s, or use Azure. (Free credits out there for students, new accounts, MSDN, etc.)</a:t>
             </a:r>
           </a:p>
-          <a:p>
-            <a:pPr lvl="1"/>
-            <a:r>
-              <a:rPr lang="en-US" sz="4000" dirty="0"/>
-              <a:t>No home study for your tech? Red flag.</a:t>
-            </a:r>
-          </a:p>
         </p:txBody>
       </p:sp>
     </p:spTree>
@@ -11077,55 +11070,6 @@
                                           <p:spTgt spid="3">
                                             <p:txEl>
                                               <p:pRg st="3" end="3"/>
-                                            </p:txEl>
-                                          </p:spTgt>
-                                        </p:tgtEl>
-                                        <p:attrNameLst>
-                                          <p:attrName>style.visibility</p:attrName>
-                                        </p:attrNameLst>
-                                      </p:cBhvr>
-                                      <p:to>
-                                        <p:strVal val="visible"/>
-                                      </p:to>
-                                    </p:set>
-                                  </p:childTnLst>
-                                </p:cTn>
-                              </p:par>
-                            </p:childTnLst>
-                          </p:cTn>
-                        </p:par>
-                      </p:childTnLst>
-                    </p:cTn>
-                  </p:par>
-                  <p:par>
-                    <p:cTn id="13" fill="hold">
-                      <p:stCondLst>
-                        <p:cond delay="indefinite"/>
-                      </p:stCondLst>
-                      <p:childTnLst>
-                        <p:par>
-                          <p:cTn id="14" fill="hold">
-                            <p:stCondLst>
-                              <p:cond delay="0"/>
-                            </p:stCondLst>
-                            <p:childTnLst>
-                              <p:par>
-                                <p:cTn id="15" presetID="1" presetClass="entr" presetSubtype="0" fill="hold" grpId="0" nodeType="clickEffect">
-                                  <p:stCondLst>
-                                    <p:cond delay="0"/>
-                                  </p:stCondLst>
-                                  <p:childTnLst>
-                                    <p:set>
-                                      <p:cBhvr>
-                                        <p:cTn id="16" dur="1" fill="hold">
-                                          <p:stCondLst>
-                                            <p:cond delay="0"/>
-                                          </p:stCondLst>
-                                        </p:cTn>
-                                        <p:tgtEl>
-                                          <p:spTgt spid="3">
-                                            <p:txEl>
-                                              <p:pRg st="4" end="4"/>
                                             </p:txEl>
                                           </p:spTgt>
                                         </p:tgtEl>
@@ -14257,6 +14201,84 @@
   <p:clrMapOvr>
     <a:masterClrMapping/>
   </p:clrMapOvr>
+  <p:timing>
+    <p:tnLst>
+      <p:par>
+        <p:cTn id="1" dur="indefinite" restart="never" nodeType="tmRoot">
+          <p:childTnLst>
+            <p:seq concurrent="1" nextAc="seek">
+              <p:cTn id="2" dur="indefinite" nodeType="mainSeq">
+                <p:childTnLst>
+                  <p:par>
+                    <p:cTn id="3" fill="hold">
+                      <p:stCondLst>
+                        <p:cond delay="indefinite"/>
+                      </p:stCondLst>
+                      <p:childTnLst>
+                        <p:par>
+                          <p:cTn id="4" fill="hold">
+                            <p:stCondLst>
+                              <p:cond delay="0"/>
+                            </p:stCondLst>
+                            <p:childTnLst>
+                              <p:par>
+                                <p:cTn id="5" presetID="1" presetClass="entr" presetSubtype="0" fill="hold" grpId="0" nodeType="clickEffect">
+                                  <p:stCondLst>
+                                    <p:cond delay="0"/>
+                                  </p:stCondLst>
+                                  <p:childTnLst>
+                                    <p:set>
+                                      <p:cBhvr>
+                                        <p:cTn id="6" dur="1" fill="hold">
+                                          <p:stCondLst>
+                                            <p:cond delay="0"/>
+                                          </p:stCondLst>
+                                        </p:cTn>
+                                        <p:tgtEl>
+                                          <p:spTgt spid="17"/>
+                                        </p:tgtEl>
+                                        <p:attrNameLst>
+                                          <p:attrName>style.visibility</p:attrName>
+                                        </p:attrNameLst>
+                                      </p:cBhvr>
+                                      <p:to>
+                                        <p:strVal val="visible"/>
+                                      </p:to>
+                                    </p:set>
+                                  </p:childTnLst>
+                                </p:cTn>
+                              </p:par>
+                            </p:childTnLst>
+                          </p:cTn>
+                        </p:par>
+                      </p:childTnLst>
+                    </p:cTn>
+                  </p:par>
+                </p:childTnLst>
+              </p:cTn>
+              <p:prevCondLst>
+                <p:cond evt="onPrev" delay="0">
+                  <p:tgtEl>
+                    <p:sldTgt/>
+                  </p:tgtEl>
+                </p:cond>
+              </p:prevCondLst>
+              <p:nextCondLst>
+                <p:cond evt="onNext" delay="0">
+                  <p:tgtEl>
+                    <p:sldTgt/>
+                  </p:tgtEl>
+                </p:cond>
+              </p:nextCondLst>
+            </p:seq>
+          </p:childTnLst>
+        </p:cTn>
+      </p:par>
+    </p:tnLst>
+    <p:bldLst>
+      <p:bldP spid="17" grpId="0" animBg="1"/>
+    </p:bldLst>
+  </p:timing>
 </p:sld>
 </file>
 
@@ -23839,6 +23861,551 @@
   <p:clrMapOvr>
     <a:masterClrMapping/>
   </p:clrMapOvr>
+  <p:timing>
+    <p:tnLst>
+      <p:par>
+        <p:cTn id="1" dur="indefinite" restart="never" nodeType="tmRoot">
+          <p:childTnLst>
+            <p:seq concurrent="1" nextAc="seek">
+              <p:cTn id="2" dur="indefinite" nodeType="mainSeq">
+                <p:childTnLst>
+                  <p:par>
+                    <p:cTn id="3" fill="hold">
+                      <p:stCondLst>
+                        <p:cond delay="indefinite"/>
+                      </p:stCondLst>
+                      <p:childTnLst>
+                        <p:par>
+                          <p:cTn id="4" fill="hold">
+                            <p:stCondLst>
+                              <p:cond delay="0"/>
+                            </p:stCondLst>
+                            <p:childTnLst>
+                              <p:par>
+                                <p:cTn id="5" presetID="1" presetClass="entr" presetSubtype="0" fill="hold" nodeType="clickEffect">
+                                  <p:stCondLst>
+                                    <p:cond delay="0"/>
+                                  </p:stCondLst>
+                                  <p:childTnLst>
+                                    <p:set>
+                                      <p:cBhvr>
+                                        <p:cTn id="6" dur="1" fill="hold">
+                                          <p:stCondLst>
+                                            <p:cond delay="0"/>
+                                          </p:stCondLst>
+                                        </p:cTn>
+                                        <p:tgtEl>
+                                          <p:spTgt spid="12"/>
+                                        </p:tgtEl>
+                                        <p:attrNameLst>
+                                          <p:attrName>style.visibility</p:attrName>
+                                        </p:attrNameLst>
+                                      </p:cBhvr>
+                                      <p:to>
+                                        <p:strVal val="visible"/>
+                                      </p:to>
+                                    </p:set>
+                                  </p:childTnLst>
+                                </p:cTn>
+                              </p:par>
+                              <p:par>
+                                <p:cTn id="7" presetID="1" presetClass="entr" presetSubtype="0" fill="hold" nodeType="withEffect">
+                                  <p:stCondLst>
+                                    <p:cond delay="0"/>
+                                  </p:stCondLst>
+                                  <p:childTnLst>
+                                    <p:set>
+                                      <p:cBhvr>
+                                        <p:cTn id="8" dur="1" fill="hold">
+                                          <p:stCondLst>
+                                            <p:cond delay="0"/>
+                                          </p:stCondLst>
+                                        </p:cTn>
+                                        <p:tgtEl>
+                                          <p:spTgt spid="5"/>
+                                        </p:tgtEl>
+                                        <p:attrNameLst>
+                                          <p:attrName>style.visibility</p:attrName>
+                                        </p:attrNameLst>
+                                      </p:cBhvr>
+                                      <p:to>
+                                        <p:strVal val="visible"/>
+                                      </p:to>
+                                    </p:set>
+                                  </p:childTnLst>
+                                </p:cTn>
+                              </p:par>
+                            </p:childTnLst>
+                          </p:cTn>
+                        </p:par>
+                      </p:childTnLst>
+                    </p:cTn>
+                  </p:par>
+                  <p:par>
+                    <p:cTn id="9" fill="hold">
+                      <p:stCondLst>
+                        <p:cond delay="indefinite"/>
+                      </p:stCondLst>
+                      <p:childTnLst>
+                        <p:par>
+                          <p:cTn id="10" fill="hold">
+                            <p:stCondLst>
+                              <p:cond delay="0"/>
+                            </p:stCondLst>
+                            <p:childTnLst>
+                              <p:par>
+                                <p:cTn id="11" presetID="1" presetClass="entr" presetSubtype="0" fill="hold" nodeType="clickEffect">
+                                  <p:stCondLst>
+                                    <p:cond delay="0"/>
+                                  </p:stCondLst>
+                                  <p:childTnLst>
+                                    <p:set>
+                                      <p:cBhvr>
+                                        <p:cTn id="12" dur="1" fill="hold">
+                                          <p:stCondLst>
+                                            <p:cond delay="0"/>
+                                          </p:stCondLst>
+                                        </p:cTn>
+                                        <p:tgtEl>
+                                          <p:spTgt spid="21"/>
+                                        </p:tgtEl>
+                                        <p:attrNameLst>
+                                          <p:attrName>style.visibility</p:attrName>
+                                        </p:attrNameLst>
+                                      </p:cBhvr>
+                                      <p:to>
+                                        <p:strVal val="visible"/>
+                                      </p:to>
+                                    </p:set>
+                                  </p:childTnLst>
+                                </p:cTn>
+                              </p:par>
+                              <p:par>
+                                <p:cTn id="13" presetID="1" presetClass="entr" presetSubtype="0" fill="hold" nodeType="withEffect">
+                                  <p:stCondLst>
+                                    <p:cond delay="0"/>
+                                  </p:stCondLst>
+                                  <p:childTnLst>
+                                    <p:set>
+                                      <p:cBhvr>
+                                        <p:cTn id="14" dur="1" fill="hold">
+                                          <p:stCondLst>
+                                            <p:cond delay="0"/>
+                                          </p:stCondLst>
+                                        </p:cTn>
+                                        <p:tgtEl>
+                                          <p:spTgt spid="8"/>
+                                        </p:tgtEl>
+                                        <p:attrNameLst>
+                                          <p:attrName>style.visibility</p:attrName>
+                                        </p:attrNameLst>
+                                      </p:cBhvr>
+                                      <p:to>
+                                        <p:strVal val="visible"/>
+                                      </p:to>
+                                    </p:set>
+                                  </p:childTnLst>
+                                </p:cTn>
+                              </p:par>
+                            </p:childTnLst>
+                          </p:cTn>
+                        </p:par>
+                      </p:childTnLst>
+                    </p:cTn>
+                  </p:par>
+                  <p:par>
+                    <p:cTn id="15" fill="hold">
+                      <p:stCondLst>
+                        <p:cond delay="indefinite"/>
+                      </p:stCondLst>
+                      <p:childTnLst>
+                        <p:par>
+                          <p:cTn id="16" fill="hold">
+                            <p:stCondLst>
+                              <p:cond delay="0"/>
+                            </p:stCondLst>
+                            <p:childTnLst>
+                              <p:par>
+                                <p:cTn id="17" presetID="1" presetClass="entr" presetSubtype="0" fill="hold" nodeType="clickEffect">
+                                  <p:stCondLst>
+                                    <p:cond delay="0"/>
+                                  </p:stCondLst>
+                                  <p:childTnLst>
+                                    <p:set>
+                                      <p:cBhvr>
+                                        <p:cTn id="18" dur="1" fill="hold">
+                                          <p:stCondLst>
+                                            <p:cond delay="0"/>
+                                          </p:stCondLst>
+                                        </p:cTn>
+                                        <p:tgtEl>
+                                          <p:spTgt spid="22"/>
+                                        </p:tgtEl>
+                                        <p:attrNameLst>
+                                          <p:attrName>style.visibility</p:attrName>
+                                        </p:attrNameLst>
+                                      </p:cBhvr>
+                                      <p:to>
+                                        <p:strVal val="visible"/>
+                                      </p:to>
+                                    </p:set>
+                                  </p:childTnLst>
+                                </p:cTn>
+                              </p:par>
+                              <p:par>
+                                <p:cTn id="19" presetID="1" presetClass="entr" presetSubtype="0" fill="hold" nodeType="withEffect">
+                                  <p:stCondLst>
+                                    <p:cond delay="0"/>
+                                  </p:stCondLst>
+                                  <p:childTnLst>
+                                    <p:set>
+                                      <p:cBhvr>
+                                        <p:cTn id="20" dur="1" fill="hold">
+                                          <p:stCondLst>
+                                            <p:cond delay="0"/>
+                                          </p:stCondLst>
+                                        </p:cTn>
+                                        <p:tgtEl>
+                                          <p:spTgt spid="7"/>
+                                        </p:tgtEl>
+                                        <p:attrNameLst>
+                                          <p:attrName>style.visibility</p:attrName>
+                                        </p:attrNameLst>
+                                      </p:cBhvr>
+                                      <p:to>
+                                        <p:strVal val="visible"/>
+                                      </p:to>
+                                    </p:set>
+                                  </p:childTnLst>
+                                </p:cTn>
+                              </p:par>
+                            </p:childTnLst>
+                          </p:cTn>
+                        </p:par>
+                      </p:childTnLst>
+                    </p:cTn>
+                  </p:par>
+                  <p:par>
+                    <p:cTn id="21" fill="hold">
+                      <p:stCondLst>
+                        <p:cond delay="indefinite"/>
+                      </p:stCondLst>
+                      <p:childTnLst>
+                        <p:par>
+                          <p:cTn id="22" fill="hold">
+                            <p:stCondLst>
+                              <p:cond delay="0"/>
+                            </p:stCondLst>
+                            <p:childTnLst>
+                              <p:par>
+                                <p:cTn id="23" presetID="26" presetClass="entr" presetSubtype="0" fill="hold" grpId="0" nodeType="clickEffect">
+                                  <p:stCondLst>
+                                    <p:cond delay="0"/>
+                                  </p:stCondLst>
+                                  <p:childTnLst>
+                                    <p:set>
+                                      <p:cBhvr>
+                                        <p:cTn id="24" dur="1" fill="hold">
+                                          <p:stCondLst>
+                                            <p:cond delay="0"/>
+                                          </p:stCondLst>
+                                        </p:cTn>
+                                        <p:tgtEl>
+                                          <p:spTgt spid="17"/>
+                                        </p:tgtEl>
+                                        <p:attrNameLst>
+                                          <p:attrName>style.visibility</p:attrName>
+                                        </p:attrNameLst>
+                                      </p:cBhvr>
+                                      <p:to>
+                                        <p:strVal val="visible"/>
+                                      </p:to>
+                                    </p:set>
+                                    <p:animEffect transition="in" filter="wipe(down)">
+                                      <p:cBhvr>
+                                        <p:cTn id="25" dur="580">
+                                          <p:stCondLst>
+                                            <p:cond delay="0"/>
+                                          </p:stCondLst>
+                                        </p:cTn>
+                                        <p:tgtEl>
+                                          <p:spTgt spid="17"/>
+                                        </p:tgtEl>
+                                      </p:cBhvr>
+                                    </p:animEffect>
+                                    <p:anim calcmode="lin" valueType="num">
+                                      <p:cBhvr>
+                                        <p:cTn id="26" dur="1822" tmFilter="0,0; 0.14,0.36; 0.43,0.73; 0.71,0.91; 1.0,1.0">
+                                          <p:stCondLst>
+                                            <p:cond delay="0"/>
+                                          </p:stCondLst>
+                                        </p:cTn>
+                                        <p:tgtEl>
+                                          <p:spTgt spid="17"/>
+                                        </p:tgtEl>
+                                        <p:attrNameLst>
+                                          <p:attrName>ppt_x</p:attrName>
+                                        </p:attrNameLst>
+                                      </p:cBhvr>
+                                      <p:tavLst>
+                                        <p:tav tm="0">
+                                          <p:val>
+                                            <p:strVal val="#ppt_x-0.25"/>
+                                          </p:val>
+                                        </p:tav>
+                                        <p:tav tm="100000">
+                                          <p:val>
+                                            <p:strVal val="#ppt_x"/>
+                                          </p:val>
+                                        </p:tav>
+                                      </p:tavLst>
+                                    </p:anim>
+                                    <p:anim calcmode="lin" valueType="num">
+                                      <p:cBhvr>
+                                        <p:cTn id="27" dur="664" tmFilter="0.0,0.0; 0.25,0.07; 0.50,0.2; 0.75,0.467; 1.0,1.0">
+                                          <p:stCondLst>
+                                            <p:cond delay="0"/>
+                                          </p:stCondLst>
+                                        </p:cTn>
+                                        <p:tgtEl>
+                                          <p:spTgt spid="17"/>
+                                        </p:tgtEl>
+                                        <p:attrNameLst>
+                                          <p:attrName>ppt_y</p:attrName>
+                                        </p:attrNameLst>
+                                      </p:cBhvr>
+                                      <p:tavLst>
+                                        <p:tav tm="0" fmla="#ppt_y-sin(pi*$)/3">
+                                          <p:val>
+                                            <p:fltVal val="0.5"/>
+                                          </p:val>
+                                        </p:tav>
+                                        <p:tav tm="100000">
+                                          <p:val>
+                                            <p:fltVal val="1"/>
+                                          </p:val>
+                                        </p:tav>
+                                      </p:tavLst>
+                                    </p:anim>
+                                    <p:anim calcmode="lin" valueType="num">
+                                      <p:cBhvr>
+                                        <p:cTn id="28" dur="664" tmFilter="0, 0; 0.125,0.2665; 0.25,0.4; 0.375,0.465; 0.5,0.5;  0.625,0.535; 0.75,0.6; 0.875,0.7335; 1,1">
+                                          <p:stCondLst>
+                                            <p:cond delay="664"/>
+                                          </p:stCondLst>
+                                        </p:cTn>
+                                        <p:tgtEl>
+                                          <p:spTgt spid="17"/>
+                                        </p:tgtEl>
+                                        <p:attrNameLst>
+                                          <p:attrName>ppt_y</p:attrName>
+                                        </p:attrNameLst>
+                                      </p:cBhvr>
+                                      <p:tavLst>
+                                        <p:tav tm="0" fmla="#ppt_y-sin(pi*$)/9">
+                                          <p:val>
+                                            <p:fltVal val="0"/>
+                                          </p:val>
+                                        </p:tav>
+                                        <p:tav tm="100000">
+                                          <p:val>
+                                            <p:fltVal val="1"/>
+                                          </p:val>
+                                        </p:tav>
+                                      </p:tavLst>
+                                    </p:anim>
+                                    <p:anim calcmode="lin" valueType="num">
+                                      <p:cBhvr>
+                                        <p:cTn id="29" dur="332" tmFilter="0, 0; 0.125,0.2665; 0.25,0.4; 0.375,0.465; 0.5,0.5;  0.625,0.535; 0.75,0.6; 0.875,0.7335; 1,1">
+                                          <p:stCondLst>
+                                            <p:cond delay="1324"/>
+                                          </p:stCondLst>
+                                        </p:cTn>
+                                        <p:tgtEl>
+                                          <p:spTgt spid="17"/>
+                                        </p:tgtEl>
+                                        <p:attrNameLst>
+                                          <p:attrName>ppt_y</p:attrName>
+                                        </p:attrNameLst>
+                                      </p:cBhvr>
+                                      <p:tavLst>
+                                        <p:tav tm="0" fmla="#ppt_y-sin(pi*$)/27">
+                                          <p:val>
+                                            <p:fltVal val="0"/>
+                                          </p:val>
+                                        </p:tav>
+                                        <p:tav tm="100000">
+                                          <p:val>
+                                            <p:fltVal val="1"/>
+                                          </p:val>
+                                        </p:tav>
+                                      </p:tavLst>
+                                    </p:anim>
+                                    <p:anim calcmode="lin" valueType="num">
+                                      <p:cBhvr>
+                                        <p:cTn id="30" dur="164" tmFilter="0, 0; 0.125,0.2665; 0.25,0.4; 0.375,0.465; 0.5,0.5;  0.625,0.535; 0.75,0.6; 0.875,0.7335; 1,1">
+                                          <p:stCondLst>
+                                            <p:cond delay="1656"/>
+                                          </p:stCondLst>
+                                        </p:cTn>
+                                        <p:tgtEl>
+                                          <p:spTgt spid="17"/>
+                                        </p:tgtEl>
+                                        <p:attrNameLst>
+                                          <p:attrName>ppt_y</p:attrName>
+                                        </p:attrNameLst>
+                                      </p:cBhvr>
+                                      <p:tavLst>
+                                        <p:tav tm="0" fmla="#ppt_y-sin(pi*$)/81">
+                                          <p:val>
+                                            <p:fltVal val="0"/>
+                                          </p:val>
+                                        </p:tav>
+                                        <p:tav tm="100000">
+                                          <p:val>
+                                            <p:fltVal val="1"/>
+                                          </p:val>
+                                        </p:tav>
+                                      </p:tavLst>
+                                    </p:anim>
+                                    <p:animScale>
+                                      <p:cBhvr>
+                                        <p:cTn id="31" dur="26">
+                                          <p:stCondLst>
+                                            <p:cond delay="650"/>
+                                          </p:stCondLst>
+                                        </p:cTn>
+                                        <p:tgtEl>
+                                          <p:spTgt spid="17"/>
+                                        </p:tgtEl>
+                                      </p:cBhvr>
+                                      <p:to x="100000" y="60000"/>
+                                    </p:animScale>
+                                    <p:animScale>
+                                      <p:cBhvr>
+                                        <p:cTn id="32" dur="166" decel="50000">
+                                          <p:stCondLst>
+                                            <p:cond delay="676"/>
+                                          </p:stCondLst>
+                                        </p:cTn>
+                                        <p:tgtEl>
+                                          <p:spTgt spid="17"/>
+                                        </p:tgtEl>
+                                      </p:cBhvr>
+                                      <p:to x="100000" y="100000"/>
+                                    </p:animScale>
+                                    <p:animScale>
+                                      <p:cBhvr>
+                                        <p:cTn id="33" dur="26">
+                                          <p:stCondLst>
+                                            <p:cond delay="1312"/>
+                                          </p:stCondLst>
+                                        </p:cTn>
+                                        <p:tgtEl>
+                                          <p:spTgt spid="17"/>
+                                        </p:tgtEl>
+                                      </p:cBhvr>
+                                      <p:to x="100000" y="80000"/>
+                                    </p:animScale>
+                                    <p:animScale>
+                                      <p:cBhvr>
+                                        <p:cTn id="34" dur="166" decel="50000">
+                                          <p:stCondLst>
+                                            <p:cond delay="1338"/>
+                                          </p:stCondLst>
+                                        </p:cTn>
+                                        <p:tgtEl>
+                                          <p:spTgt spid="17"/>
+                                        </p:tgtEl>
+                                      </p:cBhvr>
+                                      <p:to x="100000" y="100000"/>
+                                    </p:animScale>
+                                    <p:animScale>
+                                      <p:cBhvr>
+                                        <p:cTn id="35" dur="26">
+                                          <p:stCondLst>
+                                            <p:cond delay="1642"/>
+                                          </p:stCondLst>
+                                        </p:cTn>
+                                        <p:tgtEl>
+                                          <p:spTgt spid="17"/>
+                                        </p:tgtEl>
+                                      </p:cBhvr>
+                                      <p:to x="100000" y="90000"/>
+                                    </p:animScale>
+                                    <p:animScale>
+                                      <p:cBhvr>
+                                        <p:cTn id="36" dur="166" decel="50000">
+                                          <p:stCondLst>
+                                            <p:cond delay="1668"/>
+                                          </p:stCondLst>
+                                        </p:cTn>
+                                        <p:tgtEl>
+                                          <p:spTgt spid="17"/>
+                                        </p:tgtEl>
+                                      </p:cBhvr>
+                                      <p:to x="100000" y="100000"/>
+                                    </p:animScale>
+                                    <p:animScale>
+                                      <p:cBhvr>
+                                        <p:cTn id="37" dur="26">
+                                          <p:stCondLst>
+                                            <p:cond delay="1808"/>
+                                          </p:stCondLst>
+                                        </p:cTn>
+                                        <p:tgtEl>
+                                          <p:spTgt spid="17"/>
+                                        </p:tgtEl>
+                                      </p:cBhvr>
+                                      <p:to x="100000" y="95000"/>
+                                    </p:animScale>
+                                    <p:animScale>
+                                      <p:cBhvr>
+                                        <p:cTn id="38" dur="166" decel="50000">
+                                          <p:stCondLst>
+                                            <p:cond delay="1834"/>
+                                          </p:stCondLst>
+                                        </p:cTn>
+                                        <p:tgtEl>
+                                          <p:spTgt spid="17"/>
+                                        </p:tgtEl>
+                                      </p:cBhvr>
+                                      <p:to x="100000" y="100000"/>
+                                    </p:animScale>
+                                  </p:childTnLst>
+                                </p:cTn>
+                              </p:par>
+                            </p:childTnLst>
+                          </p:cTn>
+                        </p:par>
+                      </p:childTnLst>
+                    </p:cTn>
+                  </p:par>
+                </p:childTnLst>
+              </p:cTn>
+              <p:prevCondLst>
+                <p:cond evt="onPrev" delay="0">
+                  <p:tgtEl>
+                    <p:sldTgt/>
+                  </p:tgtEl>
+                </p:cond>
+              </p:prevCondLst>
+              <p:nextCondLst>
+                <p:cond evt="onNext" delay="0">
+                  <p:tgtEl>
+                    <p:sldTgt/>
+                  </p:tgtEl>
+                </p:cond>
+              </p:nextCondLst>
+            </p:seq>
+          </p:childTnLst>
+        </p:cTn>
+      </p:par>
+    </p:tnLst>
+    <p:bldLst>
+      <p:bldP spid="17" grpId="0" animBg="1"/>
+    </p:bldLst>
+  </p:timing>
 </p:sld>
 </file>
 
@@ -28147,7 +28714,7 @@
 </file>
 
 <file path=ppt/slides/slide48.xml><?xml version="1.0" encoding="utf-8"?>
-<p:sld xmlns:a="http://schemas.openxmlformats.org/drawingml/2006/main" xmlns:r="http://schemas.openxmlformats.org/officeDocument/2006/relationships" xmlns:p="http://schemas.openxmlformats.org/presentationml/2006/main">
+<p:sld xmlns:a="http://schemas.openxmlformats.org/drawingml/2006/main" xmlns:r="http://schemas.openxmlformats.org/officeDocument/2006/relationships" xmlns:p="http://schemas.openxmlformats.org/presentationml/2006/main" show="0">
   <p:cSld>
     <p:spTree>
       <p:nvGrpSpPr>
@@ -28683,19 +29250,19 @@
             </a:br>
             <a:r>
               <a:rPr lang="en-US" sz="4000" dirty="0"/>
-              <a:t>“Is this a skillset you would ask about when hiring?”</a:t>
+              <a:t>“Is this a skillset you would ask for when hiring?”</a:t>
             </a:r>
           </a:p>
           <a:p>
             <a:r>
               <a:rPr lang="en-US" sz="4000" dirty="0"/>
-              <a:t>If a worldwide group of 10 SME’s do not think a feature is important, it’s not on the exam.</a:t>
+              <a:t>If a worldwide group of a dozen SME’s does not think a feature is important, it’s not on the exam.</a:t>
             </a:r>
           </a:p>
           <a:p>
             <a:r>
               <a:rPr lang="en-US" sz="4000" dirty="0"/>
-              <a:t>New features are likely to be included on the exam, to certify people working in the newest version(s).</a:t>
+              <a:t>However, new features for new versions are likely to be included on the exam, to certify people working in the newest version(s).</a:t>
             </a:r>
           </a:p>
         </p:txBody>
@@ -29987,6 +30554,13 @@
           <a:p>
             <a:pPr lvl="1"/>
             <a:r>
+              <a:rPr lang="en-US" sz="3500" dirty="0"/>
+              <a:t>Some exams are intended for 5+yrs of experience</a:t>
+            </a:r>
+          </a:p>
+          <a:p>
+            <a:pPr lvl="1"/>
+            <a:r>
               <a:rPr lang="en-US" sz="3600" dirty="0"/>
               <a:t>Don’t have unrealistic expectations of entry-level employees</a:t>
             </a:r>
@@ -30002,7 +30576,7 @@
             <a:pPr lvl="1"/>
             <a:r>
               <a:rPr lang="en-US" sz="3600" dirty="0"/>
-              <a:t>Pay the exam fees. Even if they fail. Every time</a:t>
+              <a:t>Pay the exam fees. Even if they fail. </a:t>
             </a:r>
           </a:p>
           <a:p>
@@ -30117,33 +30691,15 @@
                                   </p:childTnLst>
                                 </p:cTn>
                               </p:par>
-                            </p:childTnLst>
-                          </p:cTn>
-                        </p:par>
-                      </p:childTnLst>
-                    </p:cTn>
-                  </p:par>
-                  <p:par>
-                    <p:cTn id="9" fill="hold">
-                      <p:stCondLst>
-                        <p:cond delay="indefinite"/>
-                      </p:stCondLst>
-                      <p:childTnLst>
-                        <p:par>
-                          <p:cTn id="10" fill="hold">
-                            <p:stCondLst>
-                              <p:cond delay="0"/>
-                            </p:stCondLst>
-                            <p:childTnLst>
                               <p:par>
-                                <p:cTn id="11" presetID="1" presetClass="entr" presetSubtype="0" fill="hold" grpId="0" nodeType="clickEffect">
+                                <p:cTn id="9" presetID="1" presetClass="entr" presetSubtype="0" fill="hold" grpId="0" nodeType="withEffect">
                                   <p:stCondLst>
                                     <p:cond delay="0"/>
                                   </p:stCondLst>
                                   <p:childTnLst>
                                     <p:set>
                                       <p:cBhvr>
-                                        <p:cTn id="12" dur="1" fill="hold">
+                                        <p:cTn id="10" dur="1" fill="hold">
                                           <p:stCondLst>
                                             <p:cond delay="0"/>
                                           </p:stCondLst>
@@ -30173,26 +30729,26 @@
                     </p:cTn>
                   </p:par>
                   <p:par>
-                    <p:cTn id="13" fill="hold">
+                    <p:cTn id="11" fill="hold">
                       <p:stCondLst>
                         <p:cond delay="indefinite"/>
                       </p:stCondLst>
                       <p:childTnLst>
                         <p:par>
-                          <p:cTn id="14" fill="hold">
+                          <p:cTn id="12" fill="hold">
                             <p:stCondLst>
                               <p:cond delay="0"/>
                             </p:stCondLst>
                             <p:childTnLst>
                               <p:par>
-                                <p:cTn id="15" presetID="1" presetClass="entr" presetSubtype="0" fill="hold" grpId="0" nodeType="clickEffect">
+                                <p:cTn id="13" presetID="1" presetClass="entr" presetSubtype="0" fill="hold" grpId="0" nodeType="clickEffect">
                                   <p:stCondLst>
                                     <p:cond delay="0"/>
                                   </p:stCondLst>
                                   <p:childTnLst>
                                     <p:set>
                                       <p:cBhvr>
-                                        <p:cTn id="16" dur="1" fill="hold">
+                                        <p:cTn id="14" dur="1" fill="hold">
                                           <p:stCondLst>
                                             <p:cond delay="0"/>
                                           </p:stCondLst>
@@ -30222,26 +30778,26 @@
                     </p:cTn>
                   </p:par>
                   <p:par>
-                    <p:cTn id="17" fill="hold">
+                    <p:cTn id="15" fill="hold">
                       <p:stCondLst>
                         <p:cond delay="indefinite"/>
                       </p:stCondLst>
                       <p:childTnLst>
                         <p:par>
-                          <p:cTn id="18" fill="hold">
+                          <p:cTn id="16" fill="hold">
                             <p:stCondLst>
                               <p:cond delay="0"/>
                             </p:stCondLst>
                             <p:childTnLst>
                               <p:par>
-                                <p:cTn id="19" presetID="1" presetClass="entr" presetSubtype="0" fill="hold" grpId="0" nodeType="clickEffect">
+                                <p:cTn id="17" presetID="1" presetClass="entr" presetSubtype="0" fill="hold" grpId="0" nodeType="clickEffect">
                                   <p:stCondLst>
                                     <p:cond delay="0"/>
                                   </p:stCondLst>
                                   <p:childTnLst>
                                     <p:set>
                                       <p:cBhvr>
-                                        <p:cTn id="20" dur="1" fill="hold">
+                                        <p:cTn id="18" dur="1" fill="hold">
                                           <p:stCondLst>
                                             <p:cond delay="0"/>
                                           </p:stCondLst>
@@ -30271,26 +30827,26 @@
                     </p:cTn>
                   </p:par>
                   <p:par>
-                    <p:cTn id="21" fill="hold">
+                    <p:cTn id="19" fill="hold">
                       <p:stCondLst>
                         <p:cond delay="indefinite"/>
                       </p:stCondLst>
                       <p:childTnLst>
                         <p:par>
-                          <p:cTn id="22" fill="hold">
+                          <p:cTn id="20" fill="hold">
                             <p:stCondLst>
                               <p:cond delay="0"/>
                             </p:stCondLst>
                             <p:childTnLst>
                               <p:par>
-                                <p:cTn id="23" presetID="1" presetClass="entr" presetSubtype="0" fill="hold" grpId="0" nodeType="clickEffect">
+                                <p:cTn id="21" presetID="1" presetClass="entr" presetSubtype="0" fill="hold" grpId="0" nodeType="clickEffect">
                                   <p:stCondLst>
                                     <p:cond delay="0"/>
                                   </p:stCondLst>
                                   <p:childTnLst>
                                     <p:set>
                                       <p:cBhvr>
-                                        <p:cTn id="24" dur="1" fill="hold">
+                                        <p:cTn id="22" dur="1" fill="hold">
                                           <p:stCondLst>
                                             <p:cond delay="0"/>
                                           </p:stCondLst>
@@ -30320,26 +30876,26 @@
                     </p:cTn>
                   </p:par>
                   <p:par>
-                    <p:cTn id="25" fill="hold">
+                    <p:cTn id="23" fill="hold">
                       <p:stCondLst>
                         <p:cond delay="indefinite"/>
                       </p:stCondLst>
                       <p:childTnLst>
                         <p:par>
-                          <p:cTn id="26" fill="hold">
+                          <p:cTn id="24" fill="hold">
                             <p:stCondLst>
                               <p:cond delay="0"/>
                             </p:stCondLst>
                             <p:childTnLst>
                               <p:par>
-                                <p:cTn id="27" presetID="1" presetClass="entr" presetSubtype="0" fill="hold" grpId="0" nodeType="clickEffect">
+                                <p:cTn id="25" presetID="1" presetClass="entr" presetSubtype="0" fill="hold" grpId="0" nodeType="clickEffect">
                                   <p:stCondLst>
                                     <p:cond delay="0"/>
                                   </p:stCondLst>
                                   <p:childTnLst>
                                     <p:set>
                                       <p:cBhvr>
-                                        <p:cTn id="28" dur="1" fill="hold">
+                                        <p:cTn id="26" dur="1" fill="hold">
                                           <p:stCondLst>
                                             <p:cond delay="0"/>
                                           </p:stCondLst>
@@ -30348,6 +30904,55 @@
                                           <p:spTgt spid="3">
                                             <p:txEl>
                                               <p:pRg st="6" end="6"/>
+                                            </p:txEl>
+                                          </p:spTgt>
+                                        </p:tgtEl>
+                                        <p:attrNameLst>
+                                          <p:attrName>style.visibility</p:attrName>
+                                        </p:attrNameLst>
+                                      </p:cBhvr>
+                                      <p:to>
+                                        <p:strVal val="visible"/>
+                                      </p:to>
+                                    </p:set>
+                                  </p:childTnLst>
+                                </p:cTn>
+                              </p:par>
+                            </p:childTnLst>
+                          </p:cTn>
+                        </p:par>
+                      </p:childTnLst>
+                    </p:cTn>
+                  </p:par>
+                  <p:par>
+                    <p:cTn id="27" fill="hold">
+                      <p:stCondLst>
+                        <p:cond delay="indefinite"/>
+                      </p:stCondLst>
+                      <p:childTnLst>
+                        <p:par>
+                          <p:cTn id="28" fill="hold">
+                            <p:stCondLst>
+                              <p:cond delay="0"/>
+                            </p:stCondLst>
+                            <p:childTnLst>
+                              <p:par>
+                                <p:cTn id="29" presetID="1" presetClass="entr" presetSubtype="0" fill="hold" grpId="0" nodeType="clickEffect">
+                                  <p:stCondLst>
+                                    <p:cond delay="0"/>
+                                  </p:stCondLst>
+                                  <p:childTnLst>
+                                    <p:set>
+                                      <p:cBhvr>
+                                        <p:cTn id="30" dur="1" fill="hold">
+                                          <p:stCondLst>
+                                            <p:cond delay="0"/>
+                                          </p:stCondLst>
+                                        </p:cTn>
+                                        <p:tgtEl>
+                                          <p:spTgt spid="3">
+                                            <p:txEl>
+                                              <p:pRg st="7" end="7"/>
                                             </p:txEl>
                                           </p:spTgt>
                                         </p:tgtEl>
@@ -30465,7 +31070,7 @@
           <a:p>
             <a:r>
               <a:rPr lang="en-US" sz="3500" dirty="0"/>
-              <a:t>These may be more appropriate for incentivizing employees without the </a:t>
+              <a:t>These may be more appropriate for incentivizing entry-level employees without the </a:t>
             </a:r>
             <a:r>
               <a:rPr lang="en-US" sz="3500" dirty="0" err="1"/>
@@ -30473,7 +31078,7 @@
             </a:r>
             <a:r>
               <a:rPr lang="en-US" sz="3500" dirty="0"/>
-              <a:t> of experience targeted for the MCSA/MCSE path.</a:t>
+              <a:t> targeted for the MCSA/MCSE path.</a:t>
             </a:r>
           </a:p>
           <a:p>
